--- a/class 8/4.Ethics in IT/2. Presentation/Ethics 4.pptx
+++ b/class 8/4.Ethics in IT/2. Presentation/Ethics 4.pptx
@@ -4,15 +4,18 @@
   <p:sldMasterIdLst>
     <p:sldMasterId id="2147483648" r:id="rId1"/>
   </p:sldMasterIdLst>
+  <p:notesMasterIdLst>
+    <p:notesMasterId r:id="rId5"/>
+  </p:notesMasterIdLst>
   <p:sldIdLst>
     <p:sldId id="256" r:id="rId3"/>
-    <p:sldId id="277" r:id="rId4"/>
-    <p:sldId id="293" r:id="rId5"/>
-    <p:sldId id="294" r:id="rId6"/>
-    <p:sldId id="295" r:id="rId7"/>
-    <p:sldId id="296" r:id="rId8"/>
-    <p:sldId id="297" r:id="rId9"/>
-    <p:sldId id="283" r:id="rId10"/>
+    <p:sldId id="300" r:id="rId4"/>
+    <p:sldId id="302" r:id="rId6"/>
+    <p:sldId id="277" r:id="rId7"/>
+    <p:sldId id="299" r:id="rId8"/>
+    <p:sldId id="303" r:id="rId9"/>
+    <p:sldId id="305" r:id="rId10"/>
+    <p:sldId id="283" r:id="rId11"/>
   </p:sldIdLst>
   <p:sldSz cx="12192000" cy="6858000"/>
   <p:notesSz cx="7103745" cy="10234295"/>
@@ -112,6 +115,573 @@
     </a:lvl9pPr>
   </p:defaultTextStyle>
 </p:presentation>
+</file>
+
+<file path=ppt/notesMasters/notesMaster1.xml><?xml version="1.0" encoding="utf-8"?>
+<p:notesMaster xmlns:a="http://schemas.openxmlformats.org/drawingml/2006/main" xmlns:r="http://schemas.openxmlformats.org/officeDocument/2006/relationships" xmlns:p="http://schemas.openxmlformats.org/presentationml/2006/main">
+  <p:cSld>
+    <p:bg>
+      <p:bgRef idx="1001">
+        <a:schemeClr val="bg1"/>
+      </p:bgRef>
+    </p:bg>
+    <p:spTree>
+      <p:nvGrpSpPr>
+        <p:cNvPr id="1" name=""/>
+        <p:cNvGrpSpPr/>
+        <p:nvPr/>
+      </p:nvGrpSpPr>
+      <p:grpSpPr>
+        <a:xfrm>
+          <a:off x="0" y="0"/>
+          <a:ext cx="0" cy="0"/>
+          <a:chOff x="0" y="0"/>
+          <a:chExt cx="0" cy="0"/>
+        </a:xfrm>
+      </p:grpSpPr>
+      <p:sp>
+        <p:nvSpPr>
+          <p:cNvPr id="2" name="Header Placeholder 1"/>
+          <p:cNvSpPr>
+            <a:spLocks noGrp="1"/>
+          </p:cNvSpPr>
+          <p:nvPr>
+            <p:ph type="hdr" sz="quarter"/>
+          </p:nvPr>
+        </p:nvSpPr>
+        <p:spPr>
+          <a:xfrm>
+            <a:off x="0" y="0"/>
+            <a:ext cx="3078290" cy="513492"/>
+          </a:xfrm>
+          <a:prstGeom prst="rect">
+            <a:avLst/>
+          </a:prstGeom>
+        </p:spPr>
+        <p:txBody>
+          <a:bodyPr vert="horz" lIns="91440" tIns="45720" rIns="91440" bIns="45720" rtlCol="0"/>
+          <a:lstStyle>
+            <a:lvl1pPr algn="l">
+              <a:defRPr sz="1200"/>
+            </a:lvl1pPr>
+          </a:lstStyle>
+          <a:p>
+            <a:endParaRPr lang="en-US"/>
+          </a:p>
+        </p:txBody>
+      </p:sp>
+      <p:sp>
+        <p:nvSpPr>
+          <p:cNvPr id="3" name="Date Placeholder 2"/>
+          <p:cNvSpPr>
+            <a:spLocks noGrp="1"/>
+          </p:cNvSpPr>
+          <p:nvPr>
+            <p:ph type="dt" idx="1"/>
+          </p:nvPr>
+        </p:nvSpPr>
+        <p:spPr>
+          <a:xfrm>
+            <a:off x="4023812" y="0"/>
+            <a:ext cx="3078290" cy="513492"/>
+          </a:xfrm>
+          <a:prstGeom prst="rect">
+            <a:avLst/>
+          </a:prstGeom>
+        </p:spPr>
+        <p:txBody>
+          <a:bodyPr vert="horz" lIns="91440" tIns="45720" rIns="91440" bIns="45720" rtlCol="0"/>
+          <a:lstStyle>
+            <a:lvl1pPr algn="r">
+              <a:defRPr sz="1200"/>
+            </a:lvl1pPr>
+          </a:lstStyle>
+          <a:p>
+            <a:fld id="{3EFD42F7-718C-4B98-AAEC-167E6DDD60A7}" type="datetimeFigureOut">
+              <a:rPr lang="en-US" smtClean="0"/>
+            </a:fld>
+            <a:endParaRPr lang="en-US"/>
+          </a:p>
+        </p:txBody>
+      </p:sp>
+      <p:sp>
+        <p:nvSpPr>
+          <p:cNvPr id="4" name="Slide Image Placeholder 3"/>
+          <p:cNvSpPr>
+            <a:spLocks noGrp="1" noRot="1" noChangeAspect="1"/>
+          </p:cNvSpPr>
+          <p:nvPr>
+            <p:ph type="sldImg" idx="2"/>
+          </p:nvPr>
+        </p:nvSpPr>
+        <p:spPr>
+          <a:xfrm>
+            <a:off x="481584" y="1279287"/>
+            <a:ext cx="6140577" cy="3454075"/>
+          </a:xfrm>
+          <a:prstGeom prst="rect">
+            <a:avLst/>
+          </a:prstGeom>
+          <a:noFill/>
+          <a:ln w="12700">
+            <a:solidFill>
+              <a:prstClr val="black"/>
+            </a:solidFill>
+          </a:ln>
+        </p:spPr>
+        <p:txBody>
+          <a:bodyPr vert="horz" lIns="91440" tIns="45720" rIns="91440" bIns="45720" rtlCol="0" anchor="ctr"/>
+          <a:lstStyle/>
+          <a:p>
+            <a:endParaRPr lang="en-US"/>
+          </a:p>
+        </p:txBody>
+      </p:sp>
+      <p:sp>
+        <p:nvSpPr>
+          <p:cNvPr id="5" name="Notes Placeholder 4"/>
+          <p:cNvSpPr>
+            <a:spLocks noGrp="1"/>
+          </p:cNvSpPr>
+          <p:nvPr>
+            <p:ph type="body" sz="quarter" idx="3"/>
+          </p:nvPr>
+        </p:nvSpPr>
+        <p:spPr>
+          <a:xfrm>
+            <a:off x="710375" y="4925254"/>
+            <a:ext cx="5682996" cy="4029754"/>
+          </a:xfrm>
+          <a:prstGeom prst="rect">
+            <a:avLst/>
+          </a:prstGeom>
+        </p:spPr>
+        <p:txBody>
+          <a:bodyPr vert="horz" lIns="91440" tIns="45720" rIns="91440" bIns="45720" rtlCol="0"/>
+          <a:lstStyle/>
+          <a:p>
+            <a:pPr lvl="0"/>
+            <a:r>
+              <a:rPr lang="en-US" smtClean="0"/>
+              <a:t>Click to edit Master text styles</a:t>
+            </a:r>
+            <a:endParaRPr lang="en-US" smtClean="0"/>
+          </a:p>
+          <a:p>
+            <a:pPr lvl="1"/>
+            <a:r>
+              <a:rPr lang="en-US" smtClean="0"/>
+              <a:t>Second level</a:t>
+            </a:r>
+            <a:endParaRPr lang="en-US" smtClean="0"/>
+          </a:p>
+          <a:p>
+            <a:pPr lvl="2"/>
+            <a:r>
+              <a:rPr lang="en-US" smtClean="0"/>
+              <a:t>Third level</a:t>
+            </a:r>
+            <a:endParaRPr lang="en-US" smtClean="0"/>
+          </a:p>
+          <a:p>
+            <a:pPr lvl="3"/>
+            <a:r>
+              <a:rPr lang="en-US" smtClean="0"/>
+              <a:t>Fourth level</a:t>
+            </a:r>
+            <a:endParaRPr lang="en-US" smtClean="0"/>
+          </a:p>
+          <a:p>
+            <a:pPr lvl="4"/>
+            <a:r>
+              <a:rPr lang="en-US" smtClean="0"/>
+              <a:t>Fifth level</a:t>
+            </a:r>
+            <a:endParaRPr lang="en-US"/>
+          </a:p>
+        </p:txBody>
+      </p:sp>
+      <p:sp>
+        <p:nvSpPr>
+          <p:cNvPr id="6" name="Footer Placeholder 5"/>
+          <p:cNvSpPr>
+            <a:spLocks noGrp="1"/>
+          </p:cNvSpPr>
+          <p:nvPr>
+            <p:ph type="ftr" sz="quarter" idx="4"/>
+          </p:nvPr>
+        </p:nvSpPr>
+        <p:spPr>
+          <a:xfrm>
+            <a:off x="0" y="9720804"/>
+            <a:ext cx="3078290" cy="513491"/>
+          </a:xfrm>
+          <a:prstGeom prst="rect">
+            <a:avLst/>
+          </a:prstGeom>
+        </p:spPr>
+        <p:txBody>
+          <a:bodyPr vert="horz" lIns="91440" tIns="45720" rIns="91440" bIns="45720" rtlCol="0" anchor="b"/>
+          <a:lstStyle>
+            <a:lvl1pPr algn="l">
+              <a:defRPr sz="1200"/>
+            </a:lvl1pPr>
+          </a:lstStyle>
+          <a:p>
+            <a:endParaRPr lang="en-US"/>
+          </a:p>
+        </p:txBody>
+      </p:sp>
+      <p:sp>
+        <p:nvSpPr>
+          <p:cNvPr id="7" name="Slide Number Placeholder 6"/>
+          <p:cNvSpPr>
+            <a:spLocks noGrp="1"/>
+          </p:cNvSpPr>
+          <p:nvPr>
+            <p:ph type="sldNum" sz="quarter" idx="5"/>
+          </p:nvPr>
+        </p:nvSpPr>
+        <p:spPr>
+          <a:xfrm>
+            <a:off x="4023812" y="9720804"/>
+            <a:ext cx="3078290" cy="513491"/>
+          </a:xfrm>
+          <a:prstGeom prst="rect">
+            <a:avLst/>
+          </a:prstGeom>
+        </p:spPr>
+        <p:txBody>
+          <a:bodyPr vert="horz" lIns="91440" tIns="45720" rIns="91440" bIns="45720" rtlCol="0" anchor="b"/>
+          <a:lstStyle>
+            <a:lvl1pPr algn="r">
+              <a:defRPr sz="1200"/>
+            </a:lvl1pPr>
+          </a:lstStyle>
+          <a:p>
+            <a:fld id="{21B2AA4F-B828-4D7C-AFD3-893933DAFCB4}" type="slidenum">
+              <a:rPr lang="en-US" smtClean="0"/>
+            </a:fld>
+            <a:endParaRPr lang="en-US"/>
+          </a:p>
+        </p:txBody>
+      </p:sp>
+    </p:spTree>
+  </p:cSld>
+  <p:clrMap bg1="lt1" tx1="dk1" bg2="lt2" tx2="dk2" accent1="accent1" accent2="accent2" accent3="accent3" accent4="accent4" accent5="accent5" accent6="accent6" hlink="hlink" folHlink="folHlink"/>
+  <p:notesStyle>
+    <a:lvl1pPr marL="0" algn="l" defTabSz="914400" rtl="0" eaLnBrk="1" latinLnBrk="0" hangingPunct="1">
+      <a:defRPr sz="1200" kern="1200">
+        <a:solidFill>
+          <a:schemeClr val="tx1"/>
+        </a:solidFill>
+        <a:latin typeface="+mn-lt"/>
+        <a:ea typeface="+mn-ea"/>
+        <a:cs typeface="+mn-cs"/>
+      </a:defRPr>
+    </a:lvl1pPr>
+    <a:lvl2pPr marL="457200" algn="l" defTabSz="914400" rtl="0" eaLnBrk="1" latinLnBrk="0" hangingPunct="1">
+      <a:defRPr sz="1200" kern="1200">
+        <a:solidFill>
+          <a:schemeClr val="tx1"/>
+        </a:solidFill>
+        <a:latin typeface="+mn-lt"/>
+        <a:ea typeface="+mn-ea"/>
+        <a:cs typeface="+mn-cs"/>
+      </a:defRPr>
+    </a:lvl2pPr>
+    <a:lvl3pPr marL="914400" algn="l" defTabSz="914400" rtl="0" eaLnBrk="1" latinLnBrk="0" hangingPunct="1">
+      <a:defRPr sz="1200" kern="1200">
+        <a:solidFill>
+          <a:schemeClr val="tx1"/>
+        </a:solidFill>
+        <a:latin typeface="+mn-lt"/>
+        <a:ea typeface="+mn-ea"/>
+        <a:cs typeface="+mn-cs"/>
+      </a:defRPr>
+    </a:lvl3pPr>
+    <a:lvl4pPr marL="1371600" algn="l" defTabSz="914400" rtl="0" eaLnBrk="1" latinLnBrk="0" hangingPunct="1">
+      <a:defRPr sz="1200" kern="1200">
+        <a:solidFill>
+          <a:schemeClr val="tx1"/>
+        </a:solidFill>
+        <a:latin typeface="+mn-lt"/>
+        <a:ea typeface="+mn-ea"/>
+        <a:cs typeface="+mn-cs"/>
+      </a:defRPr>
+    </a:lvl4pPr>
+    <a:lvl5pPr marL="1828800" algn="l" defTabSz="914400" rtl="0" eaLnBrk="1" latinLnBrk="0" hangingPunct="1">
+      <a:defRPr sz="1200" kern="1200">
+        <a:solidFill>
+          <a:schemeClr val="tx1"/>
+        </a:solidFill>
+        <a:latin typeface="+mn-lt"/>
+        <a:ea typeface="+mn-ea"/>
+        <a:cs typeface="+mn-cs"/>
+      </a:defRPr>
+    </a:lvl5pPr>
+    <a:lvl6pPr marL="2286000" algn="l" defTabSz="914400" rtl="0" eaLnBrk="1" latinLnBrk="0" hangingPunct="1">
+      <a:defRPr sz="1200" kern="1200">
+        <a:solidFill>
+          <a:schemeClr val="tx1"/>
+        </a:solidFill>
+        <a:latin typeface="+mn-lt"/>
+        <a:ea typeface="+mn-ea"/>
+        <a:cs typeface="+mn-cs"/>
+      </a:defRPr>
+    </a:lvl6pPr>
+    <a:lvl7pPr marL="2743200" algn="l" defTabSz="914400" rtl="0" eaLnBrk="1" latinLnBrk="0" hangingPunct="1">
+      <a:defRPr sz="1200" kern="1200">
+        <a:solidFill>
+          <a:schemeClr val="tx1"/>
+        </a:solidFill>
+        <a:latin typeface="+mn-lt"/>
+        <a:ea typeface="+mn-ea"/>
+        <a:cs typeface="+mn-cs"/>
+      </a:defRPr>
+    </a:lvl7pPr>
+    <a:lvl8pPr marL="3200400" algn="l" defTabSz="914400" rtl="0" eaLnBrk="1" latinLnBrk="0" hangingPunct="1">
+      <a:defRPr sz="1200" kern="1200">
+        <a:solidFill>
+          <a:schemeClr val="tx1"/>
+        </a:solidFill>
+        <a:latin typeface="+mn-lt"/>
+        <a:ea typeface="+mn-ea"/>
+        <a:cs typeface="+mn-cs"/>
+      </a:defRPr>
+    </a:lvl8pPr>
+    <a:lvl9pPr marL="3657600" algn="l" defTabSz="914400" rtl="0" eaLnBrk="1" latinLnBrk="0" hangingPunct="1">
+      <a:defRPr sz="1200" kern="1200">
+        <a:solidFill>
+          <a:schemeClr val="tx1"/>
+        </a:solidFill>
+        <a:latin typeface="+mn-lt"/>
+        <a:ea typeface="+mn-ea"/>
+        <a:cs typeface="+mn-cs"/>
+      </a:defRPr>
+    </a:lvl9pPr>
+  </p:notesStyle>
+</p:notesMaster>
+</file>
+
+<file path=ppt/notesSlides/notesSlide1.xml><?xml version="1.0" encoding="utf-8"?>
+<p:notes xmlns:a="http://schemas.openxmlformats.org/drawingml/2006/main" xmlns:r="http://schemas.openxmlformats.org/officeDocument/2006/relationships" xmlns:p="http://schemas.openxmlformats.org/presentationml/2006/main">
+  <p:cSld>
+    <p:spTree>
+      <p:nvGrpSpPr>
+        <p:cNvPr id="1" name=""/>
+        <p:cNvGrpSpPr/>
+        <p:nvPr/>
+      </p:nvGrpSpPr>
+      <p:grpSpPr/>
+      <p:sp>
+        <p:nvSpPr>
+          <p:cNvPr id="2" name="Slide Image Placeholder 1"/>
+          <p:cNvSpPr/>
+          <p:nvPr>
+            <p:ph type="sldImg" idx="2"/>
+          </p:nvPr>
+        </p:nvSpPr>
+        <p:spPr/>
+      </p:sp>
+      <p:sp>
+        <p:nvSpPr>
+          <p:cNvPr id="3" name="Text Placeholder 2"/>
+          <p:cNvSpPr/>
+          <p:nvPr>
+            <p:ph type="body" idx="3"/>
+          </p:nvPr>
+        </p:nvSpPr>
+        <p:spPr/>
+        <p:txBody>
+          <a:bodyPr/>
+          <a:p>
+            <a:endParaRPr lang="en-US"/>
+          </a:p>
+        </p:txBody>
+      </p:sp>
+    </p:spTree>
+  </p:cSld>
+  <p:clrMapOvr>
+    <a:masterClrMapping/>
+  </p:clrMapOvr>
+</p:notes>
+</file>
+
+<file path=ppt/notesSlides/notesSlide2.xml><?xml version="1.0" encoding="utf-8"?>
+<p:notes xmlns:a="http://schemas.openxmlformats.org/drawingml/2006/main" xmlns:r="http://schemas.openxmlformats.org/officeDocument/2006/relationships" xmlns:p="http://schemas.openxmlformats.org/presentationml/2006/main">
+  <p:cSld>
+    <p:spTree>
+      <p:nvGrpSpPr>
+        <p:cNvPr id="1" name=""/>
+        <p:cNvGrpSpPr/>
+        <p:nvPr/>
+      </p:nvGrpSpPr>
+      <p:grpSpPr/>
+      <p:sp>
+        <p:nvSpPr>
+          <p:cNvPr id="2" name="Slide Image Placeholder 1"/>
+          <p:cNvSpPr/>
+          <p:nvPr>
+            <p:ph type="sldImg" idx="2"/>
+          </p:nvPr>
+        </p:nvSpPr>
+        <p:spPr/>
+      </p:sp>
+      <p:sp>
+        <p:nvSpPr>
+          <p:cNvPr id="3" name="Text Placeholder 2"/>
+          <p:cNvSpPr/>
+          <p:nvPr>
+            <p:ph type="body" idx="3"/>
+          </p:nvPr>
+        </p:nvSpPr>
+        <p:spPr/>
+        <p:txBody>
+          <a:bodyPr/>
+          <a:p>
+            <a:endParaRPr lang="en-US"/>
+          </a:p>
+        </p:txBody>
+      </p:sp>
+    </p:spTree>
+  </p:cSld>
+  <p:clrMapOvr>
+    <a:masterClrMapping/>
+  </p:clrMapOvr>
+</p:notes>
+</file>
+
+<file path=ppt/notesSlides/notesSlide3.xml><?xml version="1.0" encoding="utf-8"?>
+<p:notes xmlns:a="http://schemas.openxmlformats.org/drawingml/2006/main" xmlns:r="http://schemas.openxmlformats.org/officeDocument/2006/relationships" xmlns:p="http://schemas.openxmlformats.org/presentationml/2006/main">
+  <p:cSld>
+    <p:spTree>
+      <p:nvGrpSpPr>
+        <p:cNvPr id="1" name=""/>
+        <p:cNvGrpSpPr/>
+        <p:nvPr/>
+      </p:nvGrpSpPr>
+      <p:grpSpPr/>
+      <p:sp>
+        <p:nvSpPr>
+          <p:cNvPr id="2" name="Slide Image Placeholder 1"/>
+          <p:cNvSpPr/>
+          <p:nvPr>
+            <p:ph type="sldImg" idx="2"/>
+          </p:nvPr>
+        </p:nvSpPr>
+        <p:spPr/>
+      </p:sp>
+      <p:sp>
+        <p:nvSpPr>
+          <p:cNvPr id="3" name="Text Placeholder 2"/>
+          <p:cNvSpPr/>
+          <p:nvPr>
+            <p:ph type="body" idx="3"/>
+          </p:nvPr>
+        </p:nvSpPr>
+        <p:spPr/>
+        <p:txBody>
+          <a:bodyPr/>
+          <a:p>
+            <a:endParaRPr lang="en-US"/>
+          </a:p>
+        </p:txBody>
+      </p:sp>
+    </p:spTree>
+  </p:cSld>
+  <p:clrMapOvr>
+    <a:masterClrMapping/>
+  </p:clrMapOvr>
+</p:notes>
+</file>
+
+<file path=ppt/notesSlides/notesSlide4.xml><?xml version="1.0" encoding="utf-8"?>
+<p:notes xmlns:a="http://schemas.openxmlformats.org/drawingml/2006/main" xmlns:r="http://schemas.openxmlformats.org/officeDocument/2006/relationships" xmlns:p="http://schemas.openxmlformats.org/presentationml/2006/main">
+  <p:cSld>
+    <p:spTree>
+      <p:nvGrpSpPr>
+        <p:cNvPr id="1" name=""/>
+        <p:cNvGrpSpPr/>
+        <p:nvPr/>
+      </p:nvGrpSpPr>
+      <p:grpSpPr/>
+      <p:sp>
+        <p:nvSpPr>
+          <p:cNvPr id="2" name="Slide Image Placeholder 1"/>
+          <p:cNvSpPr/>
+          <p:nvPr>
+            <p:ph type="sldImg" idx="2"/>
+          </p:nvPr>
+        </p:nvSpPr>
+        <p:spPr/>
+      </p:sp>
+      <p:sp>
+        <p:nvSpPr>
+          <p:cNvPr id="3" name="Text Placeholder 2"/>
+          <p:cNvSpPr/>
+          <p:nvPr>
+            <p:ph type="body" idx="3"/>
+          </p:nvPr>
+        </p:nvSpPr>
+        <p:spPr/>
+        <p:txBody>
+          <a:bodyPr/>
+          <a:p>
+            <a:endParaRPr lang="en-US"/>
+          </a:p>
+        </p:txBody>
+      </p:sp>
+    </p:spTree>
+  </p:cSld>
+  <p:clrMapOvr>
+    <a:masterClrMapping/>
+  </p:clrMapOvr>
+</p:notes>
+</file>
+
+<file path=ppt/notesSlides/notesSlide5.xml><?xml version="1.0" encoding="utf-8"?>
+<p:notes xmlns:a="http://schemas.openxmlformats.org/drawingml/2006/main" xmlns:r="http://schemas.openxmlformats.org/officeDocument/2006/relationships" xmlns:p="http://schemas.openxmlformats.org/presentationml/2006/main">
+  <p:cSld>
+    <p:spTree>
+      <p:nvGrpSpPr>
+        <p:cNvPr id="1" name=""/>
+        <p:cNvGrpSpPr/>
+        <p:nvPr/>
+      </p:nvGrpSpPr>
+      <p:grpSpPr/>
+      <p:sp>
+        <p:nvSpPr>
+          <p:cNvPr id="2" name="Slide Image Placeholder 1"/>
+          <p:cNvSpPr/>
+          <p:nvPr>
+            <p:ph type="sldImg" idx="2"/>
+          </p:nvPr>
+        </p:nvSpPr>
+        <p:spPr/>
+      </p:sp>
+      <p:sp>
+        <p:nvSpPr>
+          <p:cNvPr id="3" name="Text Placeholder 2"/>
+          <p:cNvSpPr/>
+          <p:nvPr>
+            <p:ph type="body" idx="3"/>
+          </p:nvPr>
+        </p:nvSpPr>
+        <p:spPr/>
+        <p:txBody>
+          <a:bodyPr/>
+          <a:p>
+            <a:endParaRPr lang="en-US"/>
+          </a:p>
+        </p:txBody>
+      </p:sp>
+    </p:spTree>
+  </p:cSld>
+  <p:clrMapOvr>
+    <a:masterClrMapping/>
+  </p:clrMapOvr>
+</p:notes>
 </file>
 
 <file path=ppt/slideLayouts/slideLayout1.xml><?xml version="1.0" encoding="utf-8"?>
@@ -3251,26 +3821,9 @@
                 <a:latin typeface="Purisa" panose="02000603000000000000" charset="0"/>
                 <a:cs typeface="Purisa" panose="02000603000000000000" charset="0"/>
               </a:rPr>
-              <a:t>  lab </a:t>
-            </a:r>
-            <a:r>
-              <a:rPr lang="" altLang="en-US" sz="4800" b="1">
-                <a:solidFill>
-                  <a:schemeClr val="tx1"/>
-                </a:solidFill>
-                <a:effectLst>
-                  <a:outerShdw blurRad="38100" dist="19050" dir="2700000" algn="tl" rotWithShape="0">
-                    <a:schemeClr val="dk1">
-                      <a:alpha val="40000"/>
-                    </a:schemeClr>
-                  </a:outerShdw>
-                </a:effectLst>
-                <a:latin typeface="Purisa" panose="02000603000000000000" charset="0"/>
-                <a:cs typeface="Purisa" panose="02000603000000000000" charset="0"/>
-              </a:rPr>
-              <a:t>2</a:t>
-            </a:r>
-            <a:endParaRPr lang="" altLang="en-US" sz="4800" b="1">
+              <a:t>  lab 4</a:t>
+            </a:r>
+            <a:endParaRPr lang="en-US" altLang="en-US" sz="4800" b="1">
               <a:solidFill>
                 <a:schemeClr val="tx1"/>
               </a:solidFill>
@@ -3327,9 +3880,7 @@
         <a:gradFill>
           <a:gsLst>
             <a:gs pos="94000">
-              <a:srgbClr val="54782E">
-                <a:alpha val="100000"/>
-              </a:srgbClr>
+              <a:srgbClr val="92D050"/>
             </a:gs>
             <a:gs pos="99000">
               <a:srgbClr val="557A2F">
@@ -3363,7 +3914,7 @@
               <a:srgbClr val="52762D"/>
             </a:gs>
           </a:gsLst>
-          <a:lin ang="2700000" scaled="0"/>
+          <a:lin ang="17400000" scaled="0"/>
         </a:gradFill>
         <a:effectLst/>
       </p:bgPr>
@@ -3596,27 +4147,7 @@
                 <a:latin typeface="Uroob" panose="00000800000000000000" charset="0"/>
                 <a:cs typeface="Uroob" panose="00000800000000000000" charset="0"/>
               </a:rPr>
-              <a:t>Ethics </a:t>
-            </a:r>
-            <a:r>
-              <a:rPr lang="" altLang="en-US" sz="8000">
-                <a:solidFill>
-                  <a:srgbClr val="C6790C"/>
-                </a:solidFill>
-                <a:latin typeface="Uroob" panose="00000800000000000000" charset="0"/>
-                <a:cs typeface="Uroob" panose="00000800000000000000" charset="0"/>
-              </a:rPr>
-              <a:t>vs</a:t>
-            </a:r>
-            <a:r>
-              <a:rPr lang="en-US" altLang="en-US" sz="8000">
-                <a:solidFill>
-                  <a:srgbClr val="C6790C"/>
-                </a:solidFill>
-                <a:latin typeface="Uroob" panose="00000800000000000000" charset="0"/>
-                <a:cs typeface="Uroob" panose="00000800000000000000" charset="0"/>
-              </a:rPr>
-              <a:t> Morality</a:t>
+              <a:t>			Hacker</a:t>
             </a:r>
             <a:endParaRPr lang="en-US" altLang="en-US" sz="8000">
               <a:solidFill>
@@ -3628,9 +4159,60 @@
           </a:p>
         </p:txBody>
       </p:sp>
+      <p:sp>
+        <p:nvSpPr>
+          <p:cNvPr id="3" name="Text Box 2"/>
+          <p:cNvSpPr txBox="1"/>
+          <p:nvPr/>
+        </p:nvSpPr>
+        <p:spPr>
+          <a:xfrm>
+            <a:off x="799465" y="2344420"/>
+            <a:ext cx="8641080" cy="3169285"/>
+          </a:xfrm>
+          <a:prstGeom prst="rect">
+            <a:avLst/>
+          </a:prstGeom>
+          <a:noFill/>
+        </p:spPr>
+        <p:txBody>
+          <a:bodyPr wrap="square" rtlCol="0" anchor="t">
+            <a:spAutoFit/>
+          </a:bodyPr>
+          <a:p>
+            <a:r>
+              <a:rPr lang="en-US" sz="4000">
+                <a:solidFill>
+                  <a:schemeClr val="tx1"/>
+                </a:solidFill>
+                <a:effectLst>
+                  <a:outerShdw blurRad="38100" dist="19050" dir="2700000" algn="tl" rotWithShape="0">
+                    <a:schemeClr val="dk1">
+                      <a:alpha val="40000"/>
+                    </a:schemeClr>
+                  </a:outerShdw>
+                </a:effectLst>
+              </a:rPr>
+              <a:t>A hacker is a person who illegally breaks into a system or network without any authorization to destroy, steal sensitive data</a:t>
+            </a:r>
+            <a:endParaRPr lang="en-US" sz="4000">
+              <a:solidFill>
+                <a:schemeClr val="tx1"/>
+              </a:solidFill>
+              <a:effectLst>
+                <a:outerShdw blurRad="38100" dist="19050" dir="2700000" algn="tl" rotWithShape="0">
+                  <a:schemeClr val="dk1">
+                    <a:alpha val="40000"/>
+                  </a:schemeClr>
+                </a:outerShdw>
+              </a:effectLst>
+            </a:endParaRPr>
+          </a:p>
+        </p:txBody>
+      </p:sp>
       <p:pic>
         <p:nvPicPr>
-          <p:cNvPr id="2" name="Picture 5" descr="1"/>
+          <p:cNvPr id="4" name="Picture 3"/>
           <p:cNvPicPr>
             <a:picLocks noChangeAspect="1"/>
           </p:cNvPicPr>
@@ -3640,28 +4222,27 @@
           <a:blip r:embed="rId4">
             <a:clrChange>
               <a:clrFrom>
-                <a:srgbClr val="E9E9EB">
+                <a:srgbClr val="FFFFFF">
                   <a:alpha val="100000"/>
                 </a:srgbClr>
               </a:clrFrom>
               <a:clrTo>
-                <a:srgbClr val="E9E9EB">
+                <a:srgbClr val="FFFFFF">
                   <a:alpha val="100000"/>
                   <a:alpha val="0"/>
                 </a:srgbClr>
               </a:clrTo>
             </a:clrChange>
-            <a:lum bright="-6000" contrast="-6000"/>
+            <a:lum bright="-6000"/>
           </a:blip>
-          <a:srcRect b="7913"/>
           <a:stretch>
             <a:fillRect/>
           </a:stretch>
         </p:blipFill>
         <p:spPr>
           <a:xfrm>
-            <a:off x="745490" y="1759585"/>
-            <a:ext cx="7720965" cy="4147820"/>
+            <a:off x="9339580" y="3133725"/>
+            <a:ext cx="2856865" cy="2495550"/>
           </a:xfrm>
           <a:prstGeom prst="rect">
             <a:avLst/>
@@ -3684,9 +4265,7 @@
         <a:gradFill>
           <a:gsLst>
             <a:gs pos="94000">
-              <a:srgbClr val="54782E">
-                <a:alpha val="100000"/>
-              </a:srgbClr>
+              <a:srgbClr val="92D050"/>
             </a:gs>
             <a:gs pos="99000">
               <a:srgbClr val="557A2F">
@@ -3720,7 +4299,7 @@
               <a:srgbClr val="52762D"/>
             </a:gs>
           </a:gsLst>
-          <a:lin ang="2700000" scaled="0"/>
+          <a:lin ang="17400000" scaled="0"/>
         </a:gradFill>
         <a:effectLst/>
       </p:bgPr>
@@ -3932,8 +4511,8 @@
         </p:nvSpPr>
         <p:spPr>
           <a:xfrm>
-            <a:off x="2205990" y="283845"/>
-            <a:ext cx="9508490" cy="1322070"/>
+            <a:off x="2625725" y="493395"/>
+            <a:ext cx="9508490" cy="1106805"/>
           </a:xfrm>
           <a:prstGeom prst="rect">
             <a:avLst/>
@@ -3946,16 +4525,16 @@
           </a:bodyPr>
           <a:p>
             <a:r>
-              <a:rPr lang="" altLang="en-US" sz="8000">
+              <a:rPr lang="en-US" altLang="en-US" sz="6600">
                 <a:solidFill>
                   <a:srgbClr val="C6790C"/>
                 </a:solidFill>
                 <a:latin typeface="Uroob" panose="00000800000000000000" charset="0"/>
                 <a:cs typeface="Uroob" panose="00000800000000000000" charset="0"/>
               </a:rPr>
-              <a:t>Basic Principle of Ethics </a:t>
-            </a:r>
-            <a:endParaRPr lang="" altLang="en-US" sz="8000">
+              <a:t>Hacking vs Ethical Hacking</a:t>
+            </a:r>
+            <a:endParaRPr lang="en-US" altLang="en-US" sz="6600">
               <a:solidFill>
                 <a:srgbClr val="C6790C"/>
               </a:solidFill>
@@ -3967,139 +4546,108 @@
       </p:sp>
       <p:sp>
         <p:nvSpPr>
-          <p:cNvPr id="100" name="Text Box 99"/>
+          <p:cNvPr id="3" name="Text Box 2"/>
           <p:cNvSpPr txBox="1"/>
           <p:nvPr/>
         </p:nvSpPr>
         <p:spPr>
           <a:xfrm>
-            <a:off x="4041140" y="2466340"/>
-            <a:ext cx="5080000" cy="2553335"/>
+            <a:off x="6384925" y="2311400"/>
+            <a:ext cx="5174615" cy="3169285"/>
           </a:xfrm>
           <a:prstGeom prst="rect">
             <a:avLst/>
           </a:prstGeom>
           <a:noFill/>
-          <a:ln w="9525">
-            <a:noFill/>
-          </a:ln>
-        </p:spPr>
-        <p:txBody>
-          <a:bodyPr>
+        </p:spPr>
+        <p:txBody>
+          <a:bodyPr wrap="square" rtlCol="0" anchor="t">
             <a:spAutoFit/>
           </a:bodyPr>
           <a:p>
-            <a:pPr marL="342900" indent="-342900" algn="just">
-              <a:buAutoNum type="arabicPeriod"/>
-            </a:pPr>
-            <a:r>
-              <a:rPr lang="en-US" sz="3200" b="1">
+            <a:r>
+              <a:rPr lang="en-US" altLang="en-US" sz="4000">
                 <a:solidFill>
-                  <a:srgbClr val="1E1C11"/>
+                  <a:schemeClr val="tx1"/>
                 </a:solidFill>
-                <a:latin typeface="Calibri" charset="0"/>
-                <a:cs typeface="SimSun" charset="0"/>
+                <a:effectLst>
+                  <a:outerShdw blurRad="38100" dist="19050" dir="2700000" algn="tl" rotWithShape="0">
+                    <a:schemeClr val="dk1">
+                      <a:alpha val="40000"/>
+                    </a:schemeClr>
+                  </a:outerShdw>
+                </a:effectLst>
               </a:rPr>
-              <a:t>Do no harm</a:t>
-            </a:r>
-            <a:endParaRPr lang="en-US" sz="3200" b="1">
+              <a:t>hacking is completely illigal </a:t>
+            </a:r>
+            <a:endParaRPr lang="en-US" altLang="en-US" sz="4000">
               <a:solidFill>
-                <a:srgbClr val="1E1C11"/>
+                <a:schemeClr val="tx1"/>
               </a:solidFill>
-              <a:latin typeface="Calibri" charset="0"/>
-              <a:cs typeface="SimSun" charset="0"/>
+              <a:effectLst>
+                <a:outerShdw blurRad="38100" dist="19050" dir="2700000" algn="tl" rotWithShape="0">
+                  <a:schemeClr val="dk1">
+                    <a:alpha val="40000"/>
+                  </a:schemeClr>
+                </a:outerShdw>
+              </a:effectLst>
             </a:endParaRPr>
           </a:p>
           <a:p>
-            <a:pPr marL="342900" indent="-342900" algn="just">
-              <a:buAutoNum type="arabicPeriod"/>
-            </a:pPr>
-            <a:r>
-              <a:rPr lang="en-US" sz="3200" b="1">
+            <a:r>
+              <a:rPr lang="en-US" altLang="en-US" sz="4000">
                 <a:solidFill>
-                  <a:srgbClr val="1E1C11"/>
+                  <a:schemeClr val="tx1"/>
                 </a:solidFill>
-                <a:latin typeface="Calibri" charset="0"/>
-                <a:cs typeface="SimSun" charset="0"/>
+                <a:effectLst>
+                  <a:outerShdw blurRad="38100" dist="19050" dir="2700000" algn="tl" rotWithShape="0">
+                    <a:schemeClr val="dk1">
+                      <a:alpha val="40000"/>
+                    </a:schemeClr>
+                  </a:outerShdw>
+                </a:effectLst>
               </a:rPr>
-              <a:t>Make things better</a:t>
-            </a:r>
-            <a:endParaRPr lang="en-US" sz="3200" b="1">
+              <a:t>where Ethical Hacking is a trending job today</a:t>
+            </a:r>
+            <a:endParaRPr lang="en-US" altLang="en-US" sz="4000">
               <a:solidFill>
-                <a:srgbClr val="1E1C11"/>
+                <a:schemeClr val="tx1"/>
               </a:solidFill>
-              <a:latin typeface="Calibri" charset="0"/>
-              <a:cs typeface="SimSun" charset="0"/>
+              <a:effectLst>
+                <a:outerShdw blurRad="38100" dist="19050" dir="2700000" algn="tl" rotWithShape="0">
+                  <a:schemeClr val="dk1">
+                    <a:alpha val="40000"/>
+                  </a:schemeClr>
+                </a:outerShdw>
+              </a:effectLst>
             </a:endParaRPr>
           </a:p>
-          <a:p>
-            <a:pPr marL="342900" indent="-342900" algn="just">
-              <a:buAutoNum type="arabicPeriod"/>
-            </a:pPr>
-            <a:r>
-              <a:rPr lang="en-US" sz="3200" b="1">
-                <a:solidFill>
-                  <a:srgbClr val="1E1C11"/>
-                </a:solidFill>
-                <a:latin typeface="Calibri" charset="0"/>
-                <a:cs typeface="SimSun" charset="0"/>
-              </a:rPr>
-              <a:t>Respect others</a:t>
-            </a:r>
-            <a:endParaRPr lang="en-US" sz="3200" b="1">
-              <a:solidFill>
-                <a:srgbClr val="1E1C11"/>
-              </a:solidFill>
-              <a:latin typeface="Calibri" charset="0"/>
-              <a:cs typeface="SimSun" charset="0"/>
-            </a:endParaRPr>
-          </a:p>
-          <a:p>
-            <a:pPr marL="342900" indent="-342900" algn="just">
-              <a:buAutoNum type="arabicPeriod"/>
-            </a:pPr>
-            <a:r>
-              <a:rPr lang="en-US" sz="3200" b="1">
-                <a:solidFill>
-                  <a:srgbClr val="1E1C11"/>
-                </a:solidFill>
-                <a:latin typeface="Calibri" charset="0"/>
-                <a:cs typeface="SimSun" charset="0"/>
-              </a:rPr>
-              <a:t>Be fair</a:t>
-            </a:r>
-            <a:endParaRPr lang="en-US" sz="3200" b="1">
-              <a:solidFill>
-                <a:srgbClr val="1E1C11"/>
-              </a:solidFill>
-              <a:latin typeface="Calibri" charset="0"/>
-              <a:cs typeface="SimSun" charset="0"/>
-            </a:endParaRPr>
-          </a:p>
-          <a:p>
-            <a:pPr marL="342900" indent="-342900" algn="just">
-              <a:buAutoNum type="arabicPeriod"/>
-            </a:pPr>
-            <a:r>
-              <a:rPr lang="en-US" sz="3200" b="1">
-                <a:solidFill>
-                  <a:srgbClr val="1E1C11"/>
-                </a:solidFill>
-                <a:latin typeface="Calibri" charset="0"/>
-                <a:cs typeface="SimSun" charset="0"/>
-              </a:rPr>
-              <a:t>Be loving</a:t>
-            </a:r>
-            <a:endParaRPr lang="en-US" sz="3200" b="1">
-              <a:solidFill>
-                <a:srgbClr val="1E1C11"/>
-              </a:solidFill>
-              <a:latin typeface="Calibri" charset="0"/>
-              <a:cs typeface="SimSun" charset="0"/>
-            </a:endParaRPr>
-          </a:p>
-        </p:txBody>
-      </p:sp>
+        </p:txBody>
+      </p:sp>
+      <p:pic>
+        <p:nvPicPr>
+          <p:cNvPr id="2" name="Picture 1"/>
+          <p:cNvPicPr>
+            <a:picLocks noChangeAspect="1"/>
+          </p:cNvPicPr>
+          <p:nvPr/>
+        </p:nvPicPr>
+        <p:blipFill>
+          <a:blip r:embed="rId4"/>
+          <a:stretch>
+            <a:fillRect/>
+          </a:stretch>
+        </p:blipFill>
+        <p:spPr>
+          <a:xfrm>
+            <a:off x="108585" y="2311400"/>
+            <a:ext cx="4848225" cy="3232150"/>
+          </a:xfrm>
+          <a:prstGeom prst="rect">
+            <a:avLst/>
+          </a:prstGeom>
+        </p:spPr>
+      </p:pic>
     </p:spTree>
   </p:cSld>
   <p:clrMapOvr>
@@ -4385,7 +4933,7 @@
                 <a:latin typeface="Uroob" panose="00000800000000000000" charset="0"/>
                 <a:cs typeface="Uroob" panose="00000800000000000000" charset="0"/>
               </a:rPr>
-              <a:t>Do No Harm</a:t>
+              <a:t>Types of Hacking</a:t>
             </a:r>
             <a:endParaRPr lang="en-US" altLang="en-US" sz="8000">
               <a:solidFill>
@@ -4397,9 +4945,104 @@
           </a:p>
         </p:txBody>
       </p:sp>
+      <p:sp>
+        <p:nvSpPr>
+          <p:cNvPr id="100" name="Text Box 99"/>
+          <p:cNvSpPr txBox="1"/>
+          <p:nvPr/>
+        </p:nvSpPr>
+        <p:spPr>
+          <a:xfrm>
+            <a:off x="3451860" y="1984375"/>
+            <a:ext cx="5080000" cy="3046095"/>
+          </a:xfrm>
+          <a:prstGeom prst="rect">
+            <a:avLst/>
+          </a:prstGeom>
+          <a:noFill/>
+          <a:ln w="9525">
+            <a:noFill/>
+          </a:ln>
+        </p:spPr>
+        <p:txBody>
+          <a:bodyPr>
+            <a:spAutoFit/>
+          </a:bodyPr>
+          <a:p>
+            <a:pPr marL="457200" indent="-457200">
+              <a:buFont typeface="Arial" panose="02080604020202020204" pitchFamily="34" charset="0"/>
+              <a:buChar char="•"/>
+            </a:pPr>
+            <a:r>
+              <a:rPr lang="en-US" altLang="en-US" sz="3200"/>
+              <a:t>W</a:t>
+            </a:r>
+            <a:r>
+              <a:rPr lang="en-US" sz="3200"/>
+              <a:t>ebsite Hacking </a:t>
+            </a:r>
+            <a:endParaRPr lang="en-US" sz="3200"/>
+          </a:p>
+          <a:p>
+            <a:pPr marL="457200" indent="-457200">
+              <a:buFont typeface="Arial" panose="02080604020202020204" pitchFamily="34" charset="0"/>
+              <a:buChar char="•"/>
+            </a:pPr>
+            <a:r>
+              <a:rPr lang="en-US" sz="3200"/>
+              <a:t>Network Hacking</a:t>
+            </a:r>
+            <a:endParaRPr lang="en-US" sz="3200"/>
+          </a:p>
+          <a:p>
+            <a:pPr marL="457200" indent="-457200">
+              <a:buFont typeface="Arial" panose="02080604020202020204" pitchFamily="34" charset="0"/>
+              <a:buChar char="•"/>
+            </a:pPr>
+            <a:r>
+              <a:rPr lang="en-US" sz="3200"/>
+              <a:t>Email Hacking</a:t>
+            </a:r>
+            <a:endParaRPr lang="en-US" sz="3200"/>
+          </a:p>
+          <a:p>
+            <a:pPr marL="457200" indent="-457200">
+              <a:buFont typeface="Arial" panose="02080604020202020204" pitchFamily="34" charset="0"/>
+              <a:buChar char="•"/>
+            </a:pPr>
+            <a:r>
+              <a:rPr lang="en-US" sz="3200"/>
+              <a:t>Ethical Hacking</a:t>
+            </a:r>
+            <a:endParaRPr lang="en-US" sz="3200"/>
+          </a:p>
+          <a:p>
+            <a:pPr marL="457200" indent="-457200">
+              <a:buFont typeface="Arial" panose="02080604020202020204" pitchFamily="34" charset="0"/>
+              <a:buChar char="•"/>
+            </a:pPr>
+            <a:r>
+              <a:rPr lang="en-US" sz="3200"/>
+              <a:t>Password Hacking</a:t>
+            </a:r>
+            <a:endParaRPr lang="en-US" sz="3200"/>
+          </a:p>
+          <a:p>
+            <a:pPr marL="457200" indent="-457200">
+              <a:buFont typeface="Arial" panose="02080604020202020204" pitchFamily="34" charset="0"/>
+              <a:buChar char="•"/>
+            </a:pPr>
+            <a:r>
+              <a:rPr lang="en-US" sz="3200"/>
+              <a:t>Computer Hacking</a:t>
+            </a:r>
+            <a:endParaRPr lang="en-US" sz="3200"/>
+          </a:p>
+        </p:txBody>
+      </p:sp>
       <p:pic>
         <p:nvPicPr>
-          <p:cNvPr id="7" name="Picture 3" descr="IMG_256"/>
+          <p:cNvPr id="4" name="Picture 3"/>
           <p:cNvPicPr>
             <a:picLocks noChangeAspect="1"/>
           </p:cNvPicPr>
@@ -4413,54 +5056,14 @@
         </p:blipFill>
         <p:spPr>
           <a:xfrm>
-            <a:off x="4872355" y="2157730"/>
-            <a:ext cx="6259830" cy="3192780"/>
+            <a:off x="1003300" y="2506345"/>
+            <a:ext cx="2002790" cy="2002790"/>
           </a:xfrm>
           <a:prstGeom prst="rect">
             <a:avLst/>
           </a:prstGeom>
-          <a:noFill/>
-          <a:ln w="9525">
-            <a:noFill/>
-          </a:ln>
         </p:spPr>
       </p:pic>
-      <p:sp>
-        <p:nvSpPr>
-          <p:cNvPr id="2" name="Text Box 1"/>
-          <p:cNvSpPr txBox="1"/>
-          <p:nvPr/>
-        </p:nvSpPr>
-        <p:spPr>
-          <a:xfrm>
-            <a:off x="1151255" y="2543175"/>
-            <a:ext cx="3392805" cy="1322070"/>
-          </a:xfrm>
-          <a:prstGeom prst="rect">
-            <a:avLst/>
-          </a:prstGeom>
-          <a:noFill/>
-        </p:spPr>
-        <p:txBody>
-          <a:bodyPr wrap="none" rtlCol="0">
-            <a:spAutoFit/>
-          </a:bodyPr>
-          <a:p>
-            <a:r>
-              <a:rPr lang="" altLang="en-US" sz="4000"/>
-              <a:t>try not to</a:t>
-            </a:r>
-            <a:endParaRPr lang="" altLang="en-US" sz="4000"/>
-          </a:p>
-          <a:p>
-            <a:r>
-              <a:rPr lang="" altLang="en-US" sz="4000"/>
-              <a:t>harm people</a:t>
-            </a:r>
-            <a:endParaRPr lang="" altLang="en-US" sz="4000"/>
-          </a:p>
-        </p:txBody>
-      </p:sp>
     </p:spTree>
   </p:cSld>
   <p:clrMapOvr>
@@ -4527,7 +5130,7 @@
       <p:grpSpPr/>
       <p:pic>
         <p:nvPicPr>
-          <p:cNvPr id="5" name="Picture 4" descr="United TrusT Logo"/>
+          <p:cNvPr id="2" name="Picture 1"/>
           <p:cNvPicPr>
             <a:picLocks noChangeAspect="1"/>
           </p:cNvPicPr>
@@ -4541,8 +5144,8 @@
         </p:blipFill>
         <p:spPr>
           <a:xfrm>
-            <a:off x="108585" y="6128385"/>
-            <a:ext cx="1650365" cy="634365"/>
+            <a:off x="6359525" y="810895"/>
+            <a:ext cx="5619115" cy="5619115"/>
           </a:xfrm>
           <a:prstGeom prst="rect">
             <a:avLst/>
@@ -4551,7 +5154,7 @@
       </p:pic>
       <p:pic>
         <p:nvPicPr>
-          <p:cNvPr id="6" name="Picture 5" descr="bdedu_logo"/>
+          <p:cNvPr id="5" name="Picture 4" descr="United TrusT Logo"/>
           <p:cNvPicPr>
             <a:picLocks noChangeAspect="1"/>
           </p:cNvPicPr>
@@ -4565,6 +5168,30 @@
         </p:blipFill>
         <p:spPr>
           <a:xfrm>
+            <a:off x="108585" y="6128385"/>
+            <a:ext cx="1650365" cy="634365"/>
+          </a:xfrm>
+          <a:prstGeom prst="rect">
+            <a:avLst/>
+          </a:prstGeom>
+        </p:spPr>
+      </p:pic>
+      <p:pic>
+        <p:nvPicPr>
+          <p:cNvPr id="6" name="Picture 5" descr="bdedu_logo"/>
+          <p:cNvPicPr>
+            <a:picLocks noChangeAspect="1"/>
+          </p:cNvPicPr>
+          <p:nvPr/>
+        </p:nvPicPr>
+        <p:blipFill>
+          <a:blip r:embed="rId3"/>
+          <a:stretch>
+            <a:fillRect/>
+          </a:stretch>
+        </p:blipFill>
+        <p:spPr>
+          <a:xfrm>
             <a:off x="9440545" y="6061710"/>
             <a:ext cx="2693670" cy="701040"/>
           </a:xfrm>
@@ -4582,7 +5209,7 @@
           <p:nvPr/>
         </p:nvPicPr>
         <p:blipFill>
-          <a:blip r:embed="rId3">
+          <a:blip r:embed="rId4">
             <a:lum bright="24000"/>
           </a:blip>
           <a:stretch>
@@ -4746,7 +5373,7 @@
                 <a:latin typeface="Uroob" panose="00000800000000000000" charset="0"/>
                 <a:cs typeface="Uroob" panose="00000800000000000000" charset="0"/>
               </a:rPr>
-              <a:t>Make Things Better</a:t>
+              <a:t>Types of Hacker</a:t>
             </a:r>
             <a:endParaRPr lang="en-US" altLang="en-US" sz="8000">
               <a:solidFill>
@@ -4760,82 +5387,106 @@
       </p:sp>
       <p:sp>
         <p:nvSpPr>
-          <p:cNvPr id="2" name="Text Box 1"/>
+          <p:cNvPr id="100" name="Text Box 99"/>
           <p:cNvSpPr txBox="1"/>
           <p:nvPr/>
         </p:nvSpPr>
         <p:spPr>
           <a:xfrm>
-            <a:off x="560705" y="2320290"/>
-            <a:ext cx="3564255" cy="2553335"/>
+            <a:off x="2575560" y="1851025"/>
+            <a:ext cx="5080000" cy="3538220"/>
           </a:xfrm>
           <a:prstGeom prst="rect">
             <a:avLst/>
           </a:prstGeom>
           <a:noFill/>
-        </p:spPr>
-        <p:txBody>
-          <a:bodyPr wrap="none" rtlCol="0">
+          <a:ln w="9525">
+            <a:noFill/>
+          </a:ln>
+        </p:spPr>
+        <p:txBody>
+          <a:bodyPr>
             <a:spAutoFit/>
           </a:bodyPr>
           <a:p>
-            <a:pPr algn="l"/>
-            <a:r>
-              <a:rPr lang="en-US" altLang="en-US" sz="4000"/>
-              <a:t>Make people </a:t>
-            </a:r>
-            <a:endParaRPr lang="en-US" altLang="en-US" sz="4000"/>
-          </a:p>
-          <a:p>
-            <a:pPr algn="l"/>
-            <a:r>
-              <a:rPr lang="en-US" altLang="en-US" sz="4000"/>
-              <a:t>feel good </a:t>
-            </a:r>
-            <a:endParaRPr lang="en-US" altLang="en-US" sz="4000"/>
-          </a:p>
-          <a:p>
-            <a:pPr algn="l"/>
-            <a:r>
-              <a:rPr lang="en-US" altLang="en-US" sz="4000"/>
-              <a:t>about </a:t>
-            </a:r>
-            <a:endParaRPr lang="en-US" altLang="en-US" sz="4000"/>
-          </a:p>
-          <a:p>
-            <a:pPr algn="l"/>
-            <a:r>
-              <a:rPr lang="en-US" altLang="en-US" sz="4000"/>
-              <a:t>themselves.</a:t>
-            </a:r>
-            <a:endParaRPr lang="en-US" altLang="en-US" sz="4000"/>
-          </a:p>
-        </p:txBody>
-      </p:sp>
-      <p:pic>
-        <p:nvPicPr>
-          <p:cNvPr id="3" name="Picture 2"/>
-          <p:cNvPicPr>
-            <a:picLocks noChangeAspect="1"/>
-          </p:cNvPicPr>
-          <p:nvPr/>
-        </p:nvPicPr>
-        <p:blipFill>
-          <a:blip r:embed="rId4"/>
-          <a:stretch>
-            <a:fillRect/>
-          </a:stretch>
-        </p:blipFill>
-        <p:spPr>
-          <a:xfrm>
-            <a:off x="5427345" y="1830705"/>
-            <a:ext cx="6132195" cy="3532505"/>
-          </a:xfrm>
-          <a:prstGeom prst="rect">
-            <a:avLst/>
-          </a:prstGeom>
-        </p:spPr>
-      </p:pic>
+            <a:pPr marL="457200" indent="-457200">
+              <a:buFont typeface="Arial" panose="02080604020202020204" pitchFamily="34" charset="0"/>
+              <a:buChar char="•"/>
+            </a:pPr>
+            <a:r>
+              <a:rPr lang="en-US" sz="3200"/>
+              <a:t>White Hat Hackers</a:t>
+            </a:r>
+            <a:endParaRPr lang="en-US" sz="3200"/>
+          </a:p>
+          <a:p>
+            <a:pPr marL="457200" indent="-457200">
+              <a:buFont typeface="Arial" panose="02080604020202020204" pitchFamily="34" charset="0"/>
+              <a:buChar char="•"/>
+            </a:pPr>
+            <a:r>
+              <a:rPr lang="en-US" sz="3200"/>
+              <a:t>Black Hat Hackers</a:t>
+            </a:r>
+            <a:endParaRPr lang="en-US" sz="3200"/>
+          </a:p>
+          <a:p>
+            <a:pPr marL="457200" indent="-457200">
+              <a:buFont typeface="Arial" panose="02080604020202020204" pitchFamily="34" charset="0"/>
+              <a:buChar char="•"/>
+            </a:pPr>
+            <a:r>
+              <a:rPr lang="en-US" sz="3200"/>
+              <a:t>Grey Hat Hackers</a:t>
+            </a:r>
+            <a:endParaRPr lang="en-US" sz="3200"/>
+          </a:p>
+          <a:p>
+            <a:pPr marL="457200" indent="-457200">
+              <a:buFont typeface="Arial" panose="02080604020202020204" pitchFamily="34" charset="0"/>
+              <a:buChar char="•"/>
+            </a:pPr>
+            <a:r>
+              <a:rPr lang="en-US" sz="3200"/>
+              <a:t>Elite Hackers</a:t>
+            </a:r>
+            <a:endParaRPr lang="en-US" sz="3200"/>
+          </a:p>
+          <a:p>
+            <a:pPr marL="457200" indent="-457200">
+              <a:buFont typeface="Arial" panose="02080604020202020204" pitchFamily="34" charset="0"/>
+              <a:buChar char="•"/>
+            </a:pPr>
+            <a:r>
+              <a:rPr lang="en-US" sz="3200"/>
+              <a:t>Script Kiddie</a:t>
+            </a:r>
+            <a:endParaRPr lang="en-US" sz="3200"/>
+          </a:p>
+          <a:p>
+            <a:pPr marL="457200" indent="-457200">
+              <a:buFont typeface="Arial" panose="02080604020202020204" pitchFamily="34" charset="0"/>
+              <a:buChar char="•"/>
+            </a:pPr>
+            <a:r>
+              <a:rPr lang="en-US" sz="3200"/>
+              <a:t>Neophyte</a:t>
+            </a:r>
+            <a:endParaRPr lang="en-US" sz="3200"/>
+          </a:p>
+          <a:p>
+            <a:pPr marL="457200" indent="-457200">
+              <a:buFont typeface="Arial" panose="02080604020202020204" pitchFamily="34" charset="0"/>
+              <a:buChar char="•"/>
+            </a:pPr>
+            <a:r>
+              <a:rPr lang="en-US" sz="3200"/>
+              <a:t>Hacktivist</a:t>
+            </a:r>
+            <a:endParaRPr lang="en-US" sz="3200"/>
+          </a:p>
+        </p:txBody>
+      </p:sp>
     </p:spTree>
   </p:cSld>
   <p:clrMapOvr>
@@ -5114,16 +5765,16 @@
           </a:bodyPr>
           <a:p>
             <a:r>
-              <a:rPr lang="en-US" altLang="en-US" sz="8000">
+              <a:rPr altLang="en-US" sz="8000">
                 <a:solidFill>
                   <a:srgbClr val="C6790C"/>
                 </a:solidFill>
                 <a:latin typeface="Uroob" panose="00000800000000000000" charset="0"/>
                 <a:cs typeface="Uroob" panose="00000800000000000000" charset="0"/>
               </a:rPr>
-              <a:t>Respect Others</a:t>
-            </a:r>
-            <a:endParaRPr lang="en-US" altLang="en-US" sz="8000">
+              <a:t>Advantages of Hacking</a:t>
+            </a:r>
+            <a:endParaRPr altLang="en-US" sz="8000">
               <a:solidFill>
                 <a:srgbClr val="C6790C"/>
               </a:solidFill>
@@ -5135,84 +5786,68 @@
       </p:sp>
       <p:sp>
         <p:nvSpPr>
-          <p:cNvPr id="2" name="Text Box 1"/>
+          <p:cNvPr id="3" name="Text Box 2"/>
           <p:cNvSpPr txBox="1"/>
           <p:nvPr/>
         </p:nvSpPr>
         <p:spPr>
           <a:xfrm>
-            <a:off x="560705" y="2320290"/>
-            <a:ext cx="3670300" cy="2553335"/>
+            <a:off x="2205990" y="2597150"/>
+            <a:ext cx="8577580" cy="2061210"/>
           </a:xfrm>
           <a:prstGeom prst="rect">
             <a:avLst/>
           </a:prstGeom>
           <a:noFill/>
-        </p:spPr>
-        <p:txBody>
-          <a:bodyPr wrap="none" rtlCol="0">
+          <a:ln w="9525">
+            <a:noFill/>
+          </a:ln>
+        </p:spPr>
+        <p:txBody>
+          <a:bodyPr wrap="square">
             <a:spAutoFit/>
           </a:bodyPr>
           <a:p>
-            <a:pPr algn="l"/>
-            <a:r>
-              <a:rPr lang="" altLang="en-US" sz="4000"/>
-              <a:t>respecting </a:t>
-            </a:r>
-            <a:endParaRPr lang="" altLang="en-US" sz="4000"/>
-          </a:p>
-          <a:p>
-            <a:pPr algn="l"/>
-            <a:r>
-              <a:rPr lang="" altLang="en-US" sz="4000"/>
-              <a:t>others</a:t>
-            </a:r>
-            <a:endParaRPr lang="" altLang="en-US" sz="4000"/>
-          </a:p>
-          <a:p>
-            <a:pPr algn="l"/>
-            <a:r>
-              <a:rPr lang="" altLang="en-US" sz="4000"/>
-              <a:t>will make you</a:t>
-            </a:r>
-            <a:endParaRPr lang="" altLang="en-US" sz="4000"/>
-          </a:p>
-          <a:p>
-            <a:pPr algn="l"/>
-            <a:r>
-              <a:rPr lang="" altLang="en-US" sz="4000"/>
-              <a:t>a special one</a:t>
-            </a:r>
-            <a:endParaRPr lang="" altLang="en-US" sz="4000"/>
-          </a:p>
-        </p:txBody>
-      </p:sp>
-      <p:pic>
-        <p:nvPicPr>
-          <p:cNvPr id="4" name="Picture 10" descr="1"/>
-          <p:cNvPicPr>
-            <a:picLocks noChangeAspect="1"/>
-          </p:cNvPicPr>
-          <p:nvPr/>
-        </p:nvPicPr>
-        <p:blipFill>
-          <a:blip r:embed="rId4">
-            <a:lum bright="-6000"/>
-          </a:blip>
-          <a:stretch>
-            <a:fillRect/>
-          </a:stretch>
-        </p:blipFill>
-        <p:spPr>
-          <a:xfrm>
-            <a:off x="4969510" y="1605915"/>
-            <a:ext cx="6212840" cy="4144010"/>
-          </a:xfrm>
-          <a:prstGeom prst="rect">
-            <a:avLst/>
-          </a:prstGeom>
-        </p:spPr>
-      </p:pic>
+            <a:pPr marL="285750" indent="-285750">
+              <a:buFont typeface="Arial" panose="02080604020202020204" pitchFamily="34" charset="0"/>
+              <a:buChar char="•"/>
+            </a:pPr>
+            <a:r>
+              <a:rPr lang="en-US" sz="3200" b="0">
+                <a:latin typeface="Calibri" charset="0"/>
+                <a:cs typeface="SimSun" charset="0"/>
+              </a:rPr>
+              <a:t>To perform penetration testing</a:t>
+            </a:r>
+            <a:endParaRPr lang="en-US" sz="3200" b="0">
+              <a:latin typeface="Calibri" charset="0"/>
+              <a:cs typeface="SimSun" charset="0"/>
+            </a:endParaRPr>
+          </a:p>
+          <a:p>
+            <a:pPr marL="285750" indent="-285750">
+              <a:buFont typeface="Arial" panose="02080604020202020204" pitchFamily="34" charset="0"/>
+              <a:buChar char="•"/>
+            </a:pPr>
+            <a:r>
+              <a:rPr lang="en-US" sz="3200"/>
+              <a:t>To recover lost information</a:t>
+            </a:r>
+            <a:endParaRPr lang="en-US" sz="3200"/>
+          </a:p>
+          <a:p>
+            <a:pPr marL="285750" indent="-285750">
+              <a:buFont typeface="Arial" panose="02080604020202020204" pitchFamily="34" charset="0"/>
+              <a:buChar char="•"/>
+            </a:pPr>
+            <a:r>
+              <a:rPr lang="en-US" sz="3200"/>
+              <a:t>prevents malicious hackers from gaining access</a:t>
+            </a:r>
+            <a:endParaRPr lang="en-US" sz="3200"/>
+          </a:p>
+        </p:txBody>
+      </p:sp>
     </p:spTree>
   </p:cSld>
   <p:clrMapOvr>
@@ -5491,16 +6126,26 @@
           </a:bodyPr>
           <a:p>
             <a:r>
-              <a:rPr lang="" altLang="en-US" sz="8000">
+              <a:rPr lang="en-US" sz="8000">
                 <a:solidFill>
                   <a:srgbClr val="C6790C"/>
                 </a:solidFill>
                 <a:latin typeface="Uroob" panose="00000800000000000000" charset="0"/>
                 <a:cs typeface="Uroob" panose="00000800000000000000" charset="0"/>
               </a:rPr>
-              <a:t>Be Loving</a:t>
-            </a:r>
-            <a:endParaRPr lang="" altLang="en-US" sz="8000">
+              <a:t>Disa</a:t>
+            </a:r>
+            <a:r>
+              <a:rPr altLang="en-US" sz="8000">
+                <a:solidFill>
+                  <a:srgbClr val="C6790C"/>
+                </a:solidFill>
+                <a:latin typeface="Uroob" panose="00000800000000000000" charset="0"/>
+                <a:cs typeface="Uroob" panose="00000800000000000000" charset="0"/>
+              </a:rPr>
+              <a:t>dvantages of Hacking</a:t>
+            </a:r>
+            <a:endParaRPr altLang="en-US" sz="8000">
               <a:solidFill>
                 <a:srgbClr val="C6790C"/>
               </a:solidFill>
@@ -5512,95 +6157,14 @@
       </p:sp>
       <p:sp>
         <p:nvSpPr>
-          <p:cNvPr id="2" name="Text Box 1"/>
+          <p:cNvPr id="3" name="Text Box 2"/>
           <p:cNvSpPr txBox="1"/>
           <p:nvPr/>
         </p:nvSpPr>
         <p:spPr>
           <a:xfrm>
-            <a:off x="560705" y="2320290"/>
-            <a:ext cx="4714240" cy="2553335"/>
-          </a:xfrm>
-          <a:prstGeom prst="rect">
-            <a:avLst/>
-          </a:prstGeom>
-          <a:noFill/>
-        </p:spPr>
-        <p:txBody>
-          <a:bodyPr wrap="none" rtlCol="0">
-            <a:spAutoFit/>
-          </a:bodyPr>
-          <a:p>
-            <a:pPr algn="l"/>
-            <a:r>
-              <a:rPr lang="en-US" altLang="en-US" sz="4000"/>
-              <a:t>Show people </a:t>
-            </a:r>
-            <a:r>
-              <a:rPr lang="" altLang="en-US" sz="4000"/>
-              <a:t>and </a:t>
-            </a:r>
-            <a:endParaRPr lang="" altLang="en-US" sz="4000"/>
-          </a:p>
-          <a:p>
-            <a:pPr algn="l"/>
-            <a:r>
-              <a:rPr lang="" altLang="en-US" sz="4000"/>
-              <a:t>animal that </a:t>
-            </a:r>
-            <a:endParaRPr lang="" altLang="en-US" sz="4000"/>
-          </a:p>
-          <a:p>
-            <a:pPr algn="l"/>
-            <a:r>
-              <a:rPr lang="en-US" altLang="en-US" sz="4000"/>
-              <a:t>you care about </a:t>
-            </a:r>
-            <a:endParaRPr lang="en-US" altLang="en-US" sz="4000"/>
-          </a:p>
-          <a:p>
-            <a:pPr algn="l"/>
-            <a:r>
-              <a:rPr lang="en-US" altLang="en-US" sz="4000"/>
-              <a:t>them</a:t>
-            </a:r>
-            <a:endParaRPr lang="en-US" altLang="en-US" sz="4000"/>
-          </a:p>
-        </p:txBody>
-      </p:sp>
-      <p:pic>
-        <p:nvPicPr>
-          <p:cNvPr id="3" name="Picture 2" descr="IMG_256"/>
-          <p:cNvPicPr>
-            <a:picLocks noChangeAspect="1"/>
-          </p:cNvPicPr>
-          <p:nvPr/>
-        </p:nvPicPr>
-        <p:blipFill>
-          <a:blip r:embed="rId4">
-            <a:clrChange>
-              <a:clrFrom>
-                <a:srgbClr val="FCFEFC">
-                  <a:alpha val="100000"/>
-                </a:srgbClr>
-              </a:clrFrom>
-              <a:clrTo>
-                <a:srgbClr val="FCFEFC">
-                  <a:alpha val="100000"/>
-                  <a:alpha val="0"/>
-                </a:srgbClr>
-              </a:clrTo>
-            </a:clrChange>
-            <a:lum bright="-6000"/>
-          </a:blip>
-          <a:stretch>
-            <a:fillRect/>
-          </a:stretch>
-        </p:blipFill>
-        <p:spPr>
-          <a:xfrm>
-            <a:off x="6054090" y="1605915"/>
-            <a:ext cx="4203065" cy="4300220"/>
+            <a:off x="4015740" y="2825750"/>
+            <a:ext cx="8577580" cy="2553335"/>
           </a:xfrm>
           <a:prstGeom prst="rect">
             <a:avLst/>
@@ -5610,7 +6174,73 @@
             <a:noFill/>
           </a:ln>
         </p:spPr>
-      </p:pic>
+        <p:txBody>
+          <a:bodyPr wrap="square">
+            <a:spAutoFit/>
+          </a:bodyPr>
+          <a:p>
+            <a:pPr marL="285750" indent="-285750">
+              <a:buFont typeface="Arial" panose="02080604020202020204" pitchFamily="34" charset="0"/>
+              <a:buChar char="•"/>
+            </a:pPr>
+            <a:r>
+              <a:rPr lang="en-US" sz="3200" b="0">
+                <a:latin typeface="Calibri" charset="0"/>
+                <a:cs typeface="SimSun" charset="0"/>
+              </a:rPr>
+              <a:t> security breach.</a:t>
+            </a:r>
+            <a:endParaRPr lang="en-US" sz="3200" b="0">
+              <a:latin typeface="Calibri" charset="0"/>
+              <a:cs typeface="SimSun" charset="0"/>
+            </a:endParaRPr>
+          </a:p>
+          <a:p>
+            <a:pPr marL="285750" indent="-285750">
+              <a:buFont typeface="Arial" panose="02080604020202020204" pitchFamily="34" charset="0"/>
+              <a:buChar char="•"/>
+            </a:pPr>
+            <a:r>
+              <a:rPr lang="en-US" sz="3200" b="0">
+                <a:latin typeface="Calibri" charset="0"/>
+                <a:cs typeface="SimSun" charset="0"/>
+              </a:rPr>
+              <a:t>Unauthorized  access on private information</a:t>
+            </a:r>
+            <a:endParaRPr lang="en-US" sz="3200" b="0">
+              <a:latin typeface="Calibri" charset="0"/>
+              <a:cs typeface="SimSun" charset="0"/>
+            </a:endParaRPr>
+          </a:p>
+          <a:p>
+            <a:pPr marL="285750" indent="-285750">
+              <a:buFont typeface="Arial" panose="02080604020202020204" pitchFamily="34" charset="0"/>
+              <a:buChar char="•"/>
+            </a:pPr>
+            <a:r>
+              <a:rPr lang="en-US" sz="3200" b="0">
+                <a:latin typeface="Calibri" charset="0"/>
+                <a:cs typeface="SimSun" charset="0"/>
+              </a:rPr>
+              <a:t>Privacy violation.</a:t>
+            </a:r>
+            <a:endParaRPr lang="en-US" sz="3200" b="0">
+              <a:latin typeface="Calibri" charset="0"/>
+              <a:cs typeface="SimSun" charset="0"/>
+            </a:endParaRPr>
+          </a:p>
+          <a:p>
+            <a:pPr indent="0">
+              <a:buFont typeface="Arial" panose="02080604020202020204" pitchFamily="34" charset="0"/>
+              <a:buNone/>
+            </a:pPr>
+            <a:endParaRPr lang="en-US" sz="3200" b="0">
+              <a:latin typeface="Calibri" charset="0"/>
+              <a:cs typeface="SimSun" charset="0"/>
+            </a:endParaRPr>
+          </a:p>
+        </p:txBody>
+      </p:sp>
     </p:spTree>
   </p:cSld>
   <p:clrMapOvr>
@@ -6500,4 +7130,263 @@
     </a:ext>
   </a:extLst>
 </a:theme>
+</file>
+
+<file path=ppt/theme/theme2.xml><?xml version="1.0" encoding="utf-8"?>
+<a:theme xmlns:a="http://schemas.openxmlformats.org/drawingml/2006/main" name="Office Theme">
+  <a:themeElements>
+    <a:clrScheme name="Office">
+      <a:dk1>
+        <a:sysClr val="windowText" lastClr="000000"/>
+      </a:dk1>
+      <a:lt1>
+        <a:sysClr val="window" lastClr="FFFFFF"/>
+      </a:lt1>
+      <a:dk2>
+        <a:srgbClr val="44546A"/>
+      </a:dk2>
+      <a:lt2>
+        <a:srgbClr val="E7E6E6"/>
+      </a:lt2>
+      <a:accent1>
+        <a:srgbClr val="5B9BD5"/>
+      </a:accent1>
+      <a:accent2>
+        <a:srgbClr val="ED7D31"/>
+      </a:accent2>
+      <a:accent3>
+        <a:srgbClr val="A5A5A5"/>
+      </a:accent3>
+      <a:accent4>
+        <a:srgbClr val="FFC000"/>
+      </a:accent4>
+      <a:accent5>
+        <a:srgbClr val="4472C4"/>
+      </a:accent5>
+      <a:accent6>
+        <a:srgbClr val="70AD47"/>
+      </a:accent6>
+      <a:hlink>
+        <a:srgbClr val="0563C1"/>
+      </a:hlink>
+      <a:folHlink>
+        <a:srgbClr val="954F72"/>
+      </a:folHlink>
+    </a:clrScheme>
+    <a:fontScheme name="Office">
+      <a:majorFont>
+        <a:latin typeface="Calibri Light"/>
+        <a:ea typeface=""/>
+        <a:cs typeface=""/>
+        <a:font script="Jpan" typeface="ＭＳ Ｐゴシック"/>
+        <a:font script="Hang" typeface="맑은 고딕"/>
+        <a:font script="Hans" typeface="宋体"/>
+        <a:font script="Hant" typeface="新細明體"/>
+        <a:font script="Arab" typeface="Times New Roman"/>
+        <a:font script="Hebr" typeface="Times New Roman"/>
+        <a:font script="Thai" typeface="Angsana New"/>
+        <a:font script="Ethi" typeface="Nyala"/>
+        <a:font script="Beng" typeface="Vrinda"/>
+        <a:font script="Gujr" typeface="Shruti"/>
+        <a:font script="Khmr" typeface="MoolBoran"/>
+        <a:font script="Knda" typeface="Tunga"/>
+        <a:font script="Guru" typeface="Raavi"/>
+        <a:font script="Cans" typeface="Euphemia"/>
+        <a:font script="Cher" typeface="Plantagenet Cherokee"/>
+        <a:font script="Yiii" typeface="Microsoft Yi Baiti"/>
+        <a:font script="Tibt" typeface="Microsoft Himalaya"/>
+        <a:font script="Thaa" typeface="MV Boli"/>
+        <a:font script="Deva" typeface="Mangal"/>
+        <a:font script="Telu" typeface="Gautami"/>
+        <a:font script="Taml" typeface="Latha"/>
+        <a:font script="Syrc" typeface="Estrangelo Edessa"/>
+        <a:font script="Orya" typeface="Kalinga"/>
+        <a:font script="Mlym" typeface="Kartika"/>
+        <a:font script="Laoo" typeface="DokChampa"/>
+        <a:font script="Sinh" typeface="Iskoola Pota"/>
+        <a:font script="Mong" typeface="Mongolian Baiti"/>
+        <a:font script="Viet" typeface="Times New Roman"/>
+        <a:font script="Uigh" typeface="Microsoft Uighur"/>
+        <a:font script="Geor" typeface="Sylfaen"/>
+      </a:majorFont>
+      <a:minorFont>
+        <a:latin typeface="Calibri"/>
+        <a:ea typeface=""/>
+        <a:cs typeface=""/>
+        <a:font script="Jpan" typeface="ＭＳ Ｐゴシック"/>
+        <a:font script="Hang" typeface="맑은 고딕"/>
+        <a:font script="Hans" typeface="宋体"/>
+        <a:font script="Hant" typeface="新細明體"/>
+        <a:font script="Arab" typeface="Arial"/>
+        <a:font script="Hebr" typeface="Arial"/>
+        <a:font script="Thai" typeface="Cordia New"/>
+        <a:font script="Ethi" typeface="Nyala"/>
+        <a:font script="Beng" typeface="Vrinda"/>
+        <a:font script="Gujr" typeface="Shruti"/>
+        <a:font script="Khmr" typeface="DaunPenh"/>
+        <a:font script="Knda" typeface="Tunga"/>
+        <a:font script="Guru" typeface="Raavi"/>
+        <a:font script="Cans" typeface="Euphemia"/>
+        <a:font script="Cher" typeface="Plantagenet Cherokee"/>
+        <a:font script="Yiii" typeface="Microsoft Yi Baiti"/>
+        <a:font script="Tibt" typeface="Microsoft Himalaya"/>
+        <a:font script="Thaa" typeface="MV Boli"/>
+        <a:font script="Deva" typeface="Mangal"/>
+        <a:font script="Telu" typeface="Gautami"/>
+        <a:font script="Taml" typeface="Latha"/>
+        <a:font script="Syrc" typeface="Estrangelo Edessa"/>
+        <a:font script="Orya" typeface="Kalinga"/>
+        <a:font script="Mlym" typeface="Kartika"/>
+        <a:font script="Laoo" typeface="DokChampa"/>
+        <a:font script="Sinh" typeface="Iskoola Pota"/>
+        <a:font script="Mong" typeface="Mongolian Baiti"/>
+        <a:font script="Viet" typeface="Arial"/>
+        <a:font script="Uigh" typeface="Microsoft Uighur"/>
+        <a:font script="Geor" typeface="Sylfaen"/>
+      </a:minorFont>
+    </a:fontScheme>
+    <a:fmtScheme name="Office">
+      <a:fillStyleLst>
+        <a:solidFill>
+          <a:schemeClr val="phClr"/>
+        </a:solidFill>
+        <a:gradFill rotWithShape="1">
+          <a:gsLst>
+            <a:gs pos="0">
+              <a:schemeClr val="phClr">
+                <a:lumMod val="110000"/>
+                <a:satMod val="105000"/>
+                <a:tint val="67000"/>
+              </a:schemeClr>
+            </a:gs>
+            <a:gs pos="50000">
+              <a:schemeClr val="phClr">
+                <a:lumMod val="105000"/>
+                <a:satMod val="103000"/>
+                <a:tint val="73000"/>
+              </a:schemeClr>
+            </a:gs>
+            <a:gs pos="100000">
+              <a:schemeClr val="phClr">
+                <a:lumMod val="105000"/>
+                <a:satMod val="109000"/>
+                <a:tint val="81000"/>
+              </a:schemeClr>
+            </a:gs>
+          </a:gsLst>
+          <a:lin ang="5400000" scaled="0"/>
+        </a:gradFill>
+        <a:gradFill rotWithShape="1">
+          <a:gsLst>
+            <a:gs pos="0">
+              <a:schemeClr val="phClr">
+                <a:satMod val="103000"/>
+                <a:lumMod val="102000"/>
+                <a:tint val="94000"/>
+              </a:schemeClr>
+            </a:gs>
+            <a:gs pos="50000">
+              <a:schemeClr val="phClr">
+                <a:satMod val="110000"/>
+                <a:lumMod val="100000"/>
+                <a:shade val="100000"/>
+              </a:schemeClr>
+            </a:gs>
+            <a:gs pos="100000">
+              <a:schemeClr val="phClr">
+                <a:lumMod val="99000"/>
+                <a:satMod val="120000"/>
+                <a:shade val="78000"/>
+              </a:schemeClr>
+            </a:gs>
+          </a:gsLst>
+          <a:lin ang="5400000" scaled="0"/>
+        </a:gradFill>
+      </a:fillStyleLst>
+      <a:lnStyleLst>
+        <a:ln w="6350" cap="flat" cmpd="sng" algn="ctr">
+          <a:solidFill>
+            <a:schemeClr val="phClr"/>
+          </a:solidFill>
+          <a:prstDash val="solid"/>
+          <a:miter lim="800000"/>
+        </a:ln>
+        <a:ln w="12700" cap="flat" cmpd="sng" algn="ctr">
+          <a:solidFill>
+            <a:schemeClr val="phClr"/>
+          </a:solidFill>
+          <a:prstDash val="solid"/>
+          <a:miter lim="800000"/>
+        </a:ln>
+        <a:ln w="19050" cap="flat" cmpd="sng" algn="ctr">
+          <a:solidFill>
+            <a:schemeClr val="phClr"/>
+          </a:solidFill>
+          <a:prstDash val="solid"/>
+          <a:miter lim="800000"/>
+        </a:ln>
+      </a:lnStyleLst>
+      <a:effectStyleLst>
+        <a:effectStyle>
+          <a:effectLst/>
+        </a:effectStyle>
+        <a:effectStyle>
+          <a:effectLst/>
+        </a:effectStyle>
+        <a:effectStyle>
+          <a:effectLst>
+            <a:outerShdw blurRad="57150" dist="19050" dir="5400000" algn="ctr" rotWithShape="0">
+              <a:srgbClr val="000000">
+                <a:alpha val="63000"/>
+              </a:srgbClr>
+            </a:outerShdw>
+          </a:effectLst>
+        </a:effectStyle>
+      </a:effectStyleLst>
+      <a:bgFillStyleLst>
+        <a:solidFill>
+          <a:schemeClr val="phClr"/>
+        </a:solidFill>
+        <a:solidFill>
+          <a:schemeClr val="phClr">
+            <a:tint val="95000"/>
+            <a:satMod val="170000"/>
+          </a:schemeClr>
+        </a:solidFill>
+        <a:gradFill rotWithShape="1">
+          <a:gsLst>
+            <a:gs pos="0">
+              <a:schemeClr val="phClr">
+                <a:tint val="93000"/>
+                <a:satMod val="150000"/>
+                <a:shade val="98000"/>
+                <a:lumMod val="102000"/>
+              </a:schemeClr>
+            </a:gs>
+            <a:gs pos="50000">
+              <a:schemeClr val="phClr">
+                <a:tint val="98000"/>
+                <a:satMod val="130000"/>
+                <a:shade val="90000"/>
+                <a:lumMod val="103000"/>
+              </a:schemeClr>
+            </a:gs>
+            <a:gs pos="100000">
+              <a:schemeClr val="phClr">
+                <a:shade val="63000"/>
+                <a:satMod val="120000"/>
+              </a:schemeClr>
+            </a:gs>
+          </a:gsLst>
+          <a:lin ang="5400000" scaled="0"/>
+        </a:gradFill>
+      </a:bgFillStyleLst>
+    </a:fmtScheme>
+  </a:themeElements>
+  <a:extLst>
+    <a:ext uri="{05A4C25C-085E-4340-85A3-A5531E510DB2}">
+      <thm15:themeFamily xmlns:thm15="http://schemas.microsoft.com/office/thememl/2012/main" name="Office Theme" id="{62F939B6-93AF-4DB8-9C6B-D6C7DFDC589F}" vid="{4A3C46E8-61CC-4603-A589-7422A47A8E4A}"/>
+    </a:ext>
+  </a:extLst>
+</a:theme>
 </file>